--- a/presentation/ERG3010_2019Fall_Oral Presentation and Report(1).pptx
+++ b/presentation/ERG3010_2019Fall_Oral Presentation and Report(1).pptx
@@ -223,7 +223,7 @@
           <a:p>
             <a:fld id="{FBC919F7-3BE7-8746-8796-EE404D9FBE6A}" type="datetimeFigureOut">
               <a:rPr kumimoji="1" lang="zh-CN" altLang="en-US" smtClean="0"/>
-              <a:t>2019/12/6</a:t>
+              <a:t>2019/12/7</a:t>
             </a:fld>
             <a:endParaRPr kumimoji="1" lang="zh-CN" altLang="en-US"/>
           </a:p>
@@ -708,7 +708,7 @@
           <a:p>
             <a:fld id="{458CF4C7-E818-4C84-B265-69FD8F97C677}" type="datetime1">
               <a:rPr kumimoji="1" lang="zh-CN" altLang="en-US" smtClean="0"/>
-              <a:t>2019/12/6</a:t>
+              <a:t>2019/12/7</a:t>
             </a:fld>
             <a:endParaRPr kumimoji="1" lang="zh-CN" altLang="en-US"/>
           </a:p>
@@ -730,7 +730,7 @@
           <a:lstStyle/>
           <a:p>
             <a:r>
-              <a:rPr kumimoji="1" lang="en-US" altLang="zh-CN" smtClean="0"/>
+              <a:rPr kumimoji="1" lang="en-US" altLang="zh-CN"/>
               <a:t>2019 Fall / Dr. Lee Tzong-Yi / LHS / CUHK(SZ)</a:t>
             </a:r>
             <a:endParaRPr kumimoji="1" lang="zh-CN" altLang="en-US"/>
@@ -880,7 +880,7 @@
           <a:p>
             <a:fld id="{9590697F-89FD-4456-A343-CC4556E1353A}" type="datetime1">
               <a:rPr kumimoji="1" lang="zh-CN" altLang="en-US" smtClean="0"/>
-              <a:t>2019/12/6</a:t>
+              <a:t>2019/12/7</a:t>
             </a:fld>
             <a:endParaRPr kumimoji="1" lang="zh-CN" altLang="en-US"/>
           </a:p>
@@ -902,7 +902,7 @@
           <a:lstStyle/>
           <a:p>
             <a:r>
-              <a:rPr kumimoji="1" lang="en-US" altLang="zh-CN" smtClean="0"/>
+              <a:rPr kumimoji="1" lang="en-US" altLang="zh-CN"/>
               <a:t>2019 Fall / Dr. Lee Tzong-Yi / LHS / CUHK(SZ)</a:t>
             </a:r>
             <a:endParaRPr kumimoji="1" lang="zh-CN" altLang="en-US"/>
@@ -1062,7 +1062,7 @@
           <a:p>
             <a:fld id="{8202B737-A3AC-4CDC-A9E8-3BC5294CC7B4}" type="datetime1">
               <a:rPr kumimoji="1" lang="zh-CN" altLang="en-US" smtClean="0"/>
-              <a:t>2019/12/6</a:t>
+              <a:t>2019/12/7</a:t>
             </a:fld>
             <a:endParaRPr kumimoji="1" lang="zh-CN" altLang="en-US"/>
           </a:p>
@@ -1084,7 +1084,7 @@
           <a:lstStyle/>
           <a:p>
             <a:r>
-              <a:rPr kumimoji="1" lang="en-US" altLang="zh-CN" smtClean="0"/>
+              <a:rPr kumimoji="1" lang="en-US" altLang="zh-CN"/>
               <a:t>2019 Fall / Dr. Lee Tzong-Yi / LHS / CUHK(SZ)</a:t>
             </a:r>
             <a:endParaRPr kumimoji="1" lang="zh-CN" altLang="en-US"/>
@@ -1292,7 +1292,7 @@
           <a:p>
             <a:fld id="{6F8911D5-59BB-470D-9882-7239A88B13FC}" type="datetime1">
               <a:rPr kumimoji="1" lang="zh-CN" altLang="en-US" smtClean="0"/>
-              <a:t>2019/12/6</a:t>
+              <a:t>2019/12/7</a:t>
             </a:fld>
             <a:endParaRPr kumimoji="1" lang="zh-CN" altLang="en-US"/>
           </a:p>
@@ -1314,7 +1314,7 @@
           <a:lstStyle/>
           <a:p>
             <a:r>
-              <a:rPr kumimoji="1" lang="en-US" altLang="zh-CN" smtClean="0"/>
+              <a:rPr kumimoji="1" lang="en-US" altLang="zh-CN"/>
               <a:t>2019 Fall / Dr. Lee Tzong-Yi / LHS / CUHK(SZ)</a:t>
             </a:r>
             <a:endParaRPr kumimoji="1" lang="zh-CN" altLang="en-US"/>
@@ -1446,13 +1446,6 @@
   <p:clrMapOvr>
     <a:masterClrMapping/>
   </p:clrMapOvr>
-  <p:timing>
-    <p:tnLst>
-      <p:par>
-        <p:cTn id="1" dur="indefinite" restart="never" nodeType="tmRoot"/>
-      </p:par>
-    </p:tnLst>
-  </p:timing>
 </p:sldLayout>
 </file>
 
@@ -1640,7 +1633,7 @@
           <a:p>
             <a:fld id="{DCEAD08D-B96D-4177-9949-64B1C6965662}" type="datetime1">
               <a:rPr kumimoji="1" lang="zh-CN" altLang="en-US" smtClean="0"/>
-              <a:t>2019/12/6</a:t>
+              <a:t>2019/12/7</a:t>
             </a:fld>
             <a:endParaRPr kumimoji="1" lang="zh-CN" altLang="en-US"/>
           </a:p>
@@ -1662,7 +1655,7 @@
           <a:lstStyle/>
           <a:p>
             <a:r>
-              <a:rPr kumimoji="1" lang="en-US" altLang="zh-CN" smtClean="0"/>
+              <a:rPr kumimoji="1" lang="en-US" altLang="zh-CN"/>
               <a:t>2019 Fall / Dr. Lee Tzong-Yi / LHS / CUHK(SZ)</a:t>
             </a:r>
             <a:endParaRPr kumimoji="1" lang="zh-CN" altLang="en-US"/>
@@ -1873,7 +1866,7 @@
           <a:p>
             <a:fld id="{95F05DF5-13F2-497E-B365-6EA9A016FAC8}" type="datetime1">
               <a:rPr kumimoji="1" lang="zh-CN" altLang="en-US" smtClean="0"/>
-              <a:t>2019/12/6</a:t>
+              <a:t>2019/12/7</a:t>
             </a:fld>
             <a:endParaRPr kumimoji="1" lang="zh-CN" altLang="en-US"/>
           </a:p>
@@ -1895,7 +1888,7 @@
           <a:lstStyle/>
           <a:p>
             <a:r>
-              <a:rPr kumimoji="1" lang="en-US" altLang="zh-CN" smtClean="0"/>
+              <a:rPr kumimoji="1" lang="en-US" altLang="zh-CN"/>
               <a:t>2019 Fall / Dr. Lee Tzong-Yi / LHS / CUHK(SZ)</a:t>
             </a:r>
             <a:endParaRPr kumimoji="1" lang="zh-CN" altLang="en-US"/>
@@ -2333,7 +2326,7 @@
           <a:p>
             <a:fld id="{1A6477F7-2E83-426D-8ABE-627FD25FF9F9}" type="datetime1">
               <a:rPr kumimoji="1" lang="zh-CN" altLang="en-US" smtClean="0"/>
-              <a:t>2019/12/6</a:t>
+              <a:t>2019/12/7</a:t>
             </a:fld>
             <a:endParaRPr kumimoji="1" lang="zh-CN" altLang="en-US"/>
           </a:p>
@@ -2355,7 +2348,7 @@
           <a:lstStyle/>
           <a:p>
             <a:r>
-              <a:rPr kumimoji="1" lang="en-US" altLang="zh-CN" smtClean="0"/>
+              <a:rPr kumimoji="1" lang="en-US" altLang="zh-CN"/>
               <a:t>2019 Fall / Dr. Lee Tzong-Yi / LHS / CUHK(SZ)</a:t>
             </a:r>
             <a:endParaRPr kumimoji="1" lang="zh-CN" altLang="en-US"/>
@@ -2546,7 +2539,7 @@
           <a:p>
             <a:fld id="{653A9628-DB04-4DB3-8C8F-98BC7F91B6F8}" type="datetime1">
               <a:rPr kumimoji="1" lang="zh-CN" altLang="en-US" smtClean="0"/>
-              <a:t>2019/12/6</a:t>
+              <a:t>2019/12/7</a:t>
             </a:fld>
             <a:endParaRPr kumimoji="1" lang="zh-CN" altLang="en-US"/>
           </a:p>
@@ -2568,7 +2561,7 @@
           <a:lstStyle/>
           <a:p>
             <a:r>
-              <a:rPr kumimoji="1" lang="en-US" altLang="zh-CN" smtClean="0"/>
+              <a:rPr kumimoji="1" lang="en-US" altLang="zh-CN"/>
               <a:t>2019 Fall / Dr. Lee Tzong-Yi / LHS / CUHK(SZ)</a:t>
             </a:r>
             <a:endParaRPr kumimoji="1" lang="zh-CN" altLang="en-US"/>
@@ -2645,7 +2638,7 @@
           <a:p>
             <a:fld id="{DA809417-A0B2-4A88-899E-5700E2ED817B}" type="datetime1">
               <a:rPr kumimoji="1" lang="zh-CN" altLang="en-US" smtClean="0"/>
-              <a:t>2019/12/6</a:t>
+              <a:t>2019/12/7</a:t>
             </a:fld>
             <a:endParaRPr kumimoji="1" lang="zh-CN" altLang="en-US"/>
           </a:p>
@@ -2667,7 +2660,7 @@
           <a:lstStyle/>
           <a:p>
             <a:r>
-              <a:rPr kumimoji="1" lang="en-US" altLang="zh-CN" smtClean="0"/>
+              <a:rPr kumimoji="1" lang="en-US" altLang="zh-CN"/>
               <a:t>2019 Fall / Dr. Lee Tzong-Yi / LHS / CUHK(SZ)</a:t>
             </a:r>
             <a:endParaRPr kumimoji="1" lang="zh-CN" altLang="en-US"/>
@@ -2924,7 +2917,7 @@
           <a:p>
             <a:fld id="{AC6E5A33-375E-460D-8E5E-E724215C071E}" type="datetime1">
               <a:rPr kumimoji="1" lang="zh-CN" altLang="en-US" smtClean="0"/>
-              <a:t>2019/12/6</a:t>
+              <a:t>2019/12/7</a:t>
             </a:fld>
             <a:endParaRPr kumimoji="1" lang="zh-CN" altLang="en-US"/>
           </a:p>
@@ -2946,7 +2939,7 @@
           <a:lstStyle/>
           <a:p>
             <a:r>
-              <a:rPr kumimoji="1" lang="en-US" altLang="zh-CN" smtClean="0"/>
+              <a:rPr kumimoji="1" lang="en-US" altLang="zh-CN"/>
               <a:t>2019 Fall / Dr. Lee Tzong-Yi / LHS / CUHK(SZ)</a:t>
             </a:r>
             <a:endParaRPr kumimoji="1" lang="zh-CN" altLang="en-US"/>
@@ -3180,7 +3173,7 @@
           <a:p>
             <a:fld id="{DF75D48E-825F-48EB-83E7-860F31E40ABA}" type="datetime1">
               <a:rPr kumimoji="1" lang="zh-CN" altLang="en-US" smtClean="0"/>
-              <a:t>2019/12/6</a:t>
+              <a:t>2019/12/7</a:t>
             </a:fld>
             <a:endParaRPr kumimoji="1" lang="zh-CN" altLang="en-US"/>
           </a:p>
@@ -3202,7 +3195,7 @@
           <a:lstStyle/>
           <a:p>
             <a:r>
-              <a:rPr kumimoji="1" lang="en-US" altLang="zh-CN" smtClean="0"/>
+              <a:rPr kumimoji="1" lang="en-US" altLang="zh-CN"/>
               <a:t>2019 Fall / Dr. Lee Tzong-Yi / LHS / CUHK(SZ)</a:t>
             </a:r>
             <a:endParaRPr kumimoji="1" lang="zh-CN" altLang="en-US"/>
@@ -3395,7 +3388,7 @@
           <a:p>
             <a:fld id="{87B8DEB5-CB92-4EA9-AFE7-AA13C61F826D}" type="datetime1">
               <a:rPr kumimoji="1" lang="zh-CN" altLang="en-US" smtClean="0"/>
-              <a:t>2019/12/6</a:t>
+              <a:t>2019/12/7</a:t>
             </a:fld>
             <a:endParaRPr kumimoji="1" lang="zh-CN" altLang="en-US"/>
           </a:p>
@@ -3435,7 +3428,7 @@
           </a:lstStyle>
           <a:p>
             <a:r>
-              <a:rPr kumimoji="1" lang="en-US" altLang="zh-CN" smtClean="0"/>
+              <a:rPr kumimoji="1" lang="en-US" altLang="zh-CN"/>
               <a:t>2019 Fall / Dr. Lee Tzong-Yi / LHS / CUHK(SZ)</a:t>
             </a:r>
             <a:endParaRPr kumimoji="1" lang="zh-CN" altLang="en-US"/>
@@ -4259,7 +4252,7 @@
           <a:lstStyle/>
           <a:p>
             <a:r>
-              <a:rPr lang="en-US" altLang="zh-CN" sz="3200" b="1" dirty="0" smtClean="0">
+              <a:rPr lang="en-US" altLang="zh-CN" sz="3200" b="1" dirty="0">
                 <a:latin typeface="Times New Roman" panose="02020603050405020304" pitchFamily="18" charset="0"/>
                 <a:ea typeface="PMingLiU"/>
               </a:rPr>
@@ -4294,15 +4287,11 @@
           <a:lstStyle/>
           <a:p>
             <a:r>
-              <a:rPr lang="en-US" altLang="zh-CN" sz="4000" b="1" dirty="0" smtClean="0"/>
-              <a:t>Data </a:t>
-            </a:r>
-            <a:r>
               <a:rPr lang="en-US" altLang="zh-CN" sz="4000" b="1" dirty="0"/>
-              <a:t>and Knowledge Management</a:t>
-            </a:r>
-            <a:r>
-              <a:rPr lang="en-US" altLang="zh-CN" sz="4000" b="1" dirty="0" smtClean="0">
+              <a:t>Data and Knowledge Management</a:t>
+            </a:r>
+            <a:r>
+              <a:rPr lang="en-US" altLang="zh-CN" sz="4000" b="1" dirty="0">
                 <a:latin typeface="Times New Roman" panose="02020603050405020304" pitchFamily="18" charset="0"/>
               </a:rPr>
               <a:t> </a:t>
@@ -4333,7 +4322,7 @@
           <a:lstStyle/>
           <a:p>
             <a:r>
-              <a:rPr lang="en-US" altLang="zh-CN" sz="2400" b="1" dirty="0" smtClean="0">
+              <a:rPr lang="en-US" altLang="zh-CN" sz="2400" b="1" dirty="0">
                 <a:latin typeface="Times New Roman" panose="02020603050405020304" pitchFamily="18" charset="0"/>
               </a:rPr>
               <a:t>(ERG3010) </a:t>
@@ -4364,35 +4353,35 @@
           <a:lstStyle/>
           <a:p>
             <a:r>
-              <a:rPr lang="en-US" altLang="zh-CN" b="1" dirty="0" smtClean="0">
+              <a:rPr lang="en-US" altLang="zh-CN" b="1" dirty="0">
                 <a:latin typeface="Times New Roman" panose="02020603050405020304" pitchFamily="18" charset="0"/>
                 <a:ea typeface="PMingLiU"/>
               </a:rPr>
               <a:t>Instructor: Dr. Lee </a:t>
             </a:r>
             <a:r>
-              <a:rPr lang="en-US" altLang="zh-CN" b="1" dirty="0" err="1" smtClean="0">
+              <a:rPr lang="en-US" altLang="zh-CN" b="1" dirty="0" err="1">
                 <a:latin typeface="Times New Roman" panose="02020603050405020304" pitchFamily="18" charset="0"/>
                 <a:ea typeface="PMingLiU"/>
               </a:rPr>
               <a:t>Tzong</a:t>
             </a:r>
             <a:r>
-              <a:rPr lang="en-US" altLang="zh-CN" b="1" dirty="0" smtClean="0">
+              <a:rPr lang="en-US" altLang="zh-CN" b="1" dirty="0">
                 <a:latin typeface="Times New Roman" panose="02020603050405020304" pitchFamily="18" charset="0"/>
                 <a:ea typeface="PMingLiU"/>
               </a:rPr>
               <a:t>-Yi (</a:t>
             </a:r>
             <a:r>
-              <a:rPr lang="zh-TW" altLang="en-US" b="1" dirty="0" smtClean="0">
+              <a:rPr lang="zh-TW" altLang="en-US" b="1" dirty="0">
                 <a:latin typeface="Times New Roman" panose="02020603050405020304" pitchFamily="18" charset="0"/>
                 <a:ea typeface="PMingLiU"/>
               </a:rPr>
               <a:t>李宗夷</a:t>
             </a:r>
             <a:r>
-              <a:rPr lang="en-US" altLang="zh-CN" b="1" dirty="0" smtClean="0">
+              <a:rPr lang="en-US" altLang="zh-CN" b="1" dirty="0">
                 <a:latin typeface="Times New Roman" panose="02020603050405020304" pitchFamily="18" charset="0"/>
                 <a:ea typeface="PMingLiU"/>
               </a:rPr>
@@ -4401,30 +4390,30 @@
           </a:p>
           <a:p>
             <a:r>
-              <a:rPr lang="en-US" altLang="zh-CN" b="1" dirty="0" smtClean="0">
+              <a:rPr lang="en-US" altLang="zh-CN" b="1" dirty="0">
                 <a:latin typeface="Times New Roman" panose="02020603050405020304" pitchFamily="18" charset="0"/>
               </a:rPr>
               <a:t>Email: </a:t>
             </a:r>
             <a:r>
-              <a:rPr lang="en-US" altLang="zh-CN" b="1" dirty="0" smtClean="0">
+              <a:rPr lang="en-US" altLang="zh-CN" b="1" dirty="0">
                 <a:latin typeface="Times New Roman" panose="02020603050405020304" pitchFamily="18" charset="0"/>
                 <a:hlinkClick r:id="rId4"/>
               </a:rPr>
               <a:t>leetzongyi@cuhk.edu.cn</a:t>
             </a:r>
-            <a:endParaRPr lang="en-US" altLang="zh-CN" b="1" dirty="0" smtClean="0">
+            <a:endParaRPr lang="en-US" altLang="zh-CN" b="1" dirty="0">
               <a:latin typeface="Times New Roman" panose="02020603050405020304" pitchFamily="18" charset="0"/>
             </a:endParaRPr>
           </a:p>
           <a:p>
-            <a:endParaRPr lang="en-US" altLang="zh-CN" b="1" dirty="0" smtClean="0">
+            <a:endParaRPr lang="en-US" altLang="zh-CN" b="1" dirty="0">
               <a:latin typeface="Times New Roman" panose="02020603050405020304" pitchFamily="18" charset="0"/>
             </a:endParaRPr>
           </a:p>
           <a:p>
             <a:r>
-              <a:rPr lang="en-US" altLang="zh-CN" b="1" dirty="0" smtClean="0">
+              <a:rPr lang="en-US" altLang="zh-CN" b="1" dirty="0">
                 <a:latin typeface="Times New Roman" panose="02020603050405020304" pitchFamily="18" charset="0"/>
               </a:rPr>
               <a:t>School of Life and Health Sciences</a:t>
@@ -4432,13 +4421,13 @@
           </a:p>
           <a:p>
             <a:r>
-              <a:rPr lang="en-US" altLang="zh-CN" b="1" dirty="0" err="1" smtClean="0">
+              <a:rPr lang="en-US" altLang="zh-CN" b="1" dirty="0" err="1">
                 <a:latin typeface="Times New Roman" panose="02020603050405020304" pitchFamily="18" charset="0"/>
               </a:rPr>
               <a:t>Warshel</a:t>
             </a:r>
             <a:r>
-              <a:rPr lang="en-US" altLang="zh-CN" b="1" dirty="0" smtClean="0">
+              <a:rPr lang="en-US" altLang="zh-CN" b="1" dirty="0">
                 <a:latin typeface="Times New Roman" panose="02020603050405020304" pitchFamily="18" charset="0"/>
               </a:rPr>
               <a:t> Institute for Computational Biology</a:t>
@@ -4450,7 +4439,7 @@
             </a:endParaRPr>
           </a:p>
           <a:p>
-            <a:endParaRPr lang="en-US" altLang="zh-CN" b="1" dirty="0" smtClean="0">
+            <a:endParaRPr lang="en-US" altLang="zh-CN" b="1" dirty="0">
               <a:latin typeface="Times New Roman" panose="02020603050405020304" pitchFamily="18" charset="0"/>
             </a:endParaRPr>
           </a:p>
@@ -4493,33 +4482,23 @@
             </a:r>
             <a:r>
               <a:rPr lang="en-US" altLang="zh-TW" b="1" dirty="0"/>
-              <a:t> </a:t>
-            </a:r>
-            <a:r>
-              <a:rPr lang="en-US" altLang="zh-TW" b="1" dirty="0" smtClean="0"/>
-              <a:t>(</a:t>
-            </a:r>
-            <a:r>
-              <a:rPr lang="zh-TW" altLang="en-US" b="1" dirty="0" smtClean="0"/>
+              <a:t> (</a:t>
+            </a:r>
+            <a:r>
+              <a:rPr lang="zh-TW" altLang="en-US" b="1" dirty="0"/>
               <a:t>马畅翼</a:t>
             </a:r>
             <a:r>
-              <a:rPr lang="en-US" altLang="zh-TW" b="1" dirty="0" smtClean="0"/>
+              <a:rPr lang="en-US" altLang="zh-TW" b="1" dirty="0"/>
               <a:t>)</a:t>
             </a:r>
           </a:p>
           <a:p>
-            <a:r>
-              <a:rPr lang="en-US" altLang="zh-CN" b="1" dirty="0" smtClean="0">
-                <a:latin typeface="Times New Roman" panose="02020603050405020304" pitchFamily="18" charset="0"/>
-              </a:rPr>
-              <a:t>Email</a:t>
-            </a:r>
             <a:r>
               <a:rPr lang="en-US" altLang="zh-CN" b="1" dirty="0">
                 <a:latin typeface="Times New Roman" panose="02020603050405020304" pitchFamily="18" charset="0"/>
               </a:rPr>
-              <a:t>: </a:t>
+              <a:t>Email: </a:t>
             </a:r>
             <a:r>
               <a:rPr lang="en-US" altLang="zh-TW" dirty="0">
@@ -4552,15 +4531,15 @@
           <a:lstStyle/>
           <a:p>
             <a:r>
-              <a:rPr kumimoji="1" lang="en-US" altLang="zh-CN" dirty="0" smtClean="0"/>
+              <a:rPr kumimoji="1" lang="en-US" altLang="zh-CN" dirty="0"/>
               <a:t>2019 Fall / Dr. Lee </a:t>
             </a:r>
             <a:r>
-              <a:rPr kumimoji="1" lang="en-US" altLang="zh-CN" dirty="0" err="1" smtClean="0"/>
+              <a:rPr kumimoji="1" lang="en-US" altLang="zh-CN" dirty="0" err="1"/>
               <a:t>Tzong</a:t>
             </a:r>
             <a:r>
-              <a:rPr kumimoji="1" lang="en-US" altLang="zh-CN" dirty="0" smtClean="0"/>
+              <a:rPr kumimoji="1" lang="en-US" altLang="zh-CN" dirty="0"/>
               <a:t>-Yi / LHS / CUHK(SZ)</a:t>
             </a:r>
             <a:endParaRPr kumimoji="1" lang="zh-CN" altLang="en-US" dirty="0"/>
@@ -4627,36 +4606,26 @@
             </a:r>
             <a:r>
               <a:rPr lang="en-US" altLang="zh-TW" b="1" dirty="0"/>
-              <a:t> </a:t>
-            </a:r>
-            <a:r>
-              <a:rPr lang="en-US" altLang="zh-TW" b="1" dirty="0" smtClean="0"/>
-              <a:t>(</a:t>
+              <a:t> (</a:t>
             </a:r>
             <a:r>
               <a:rPr lang="zh-TW" altLang="en-US" b="1" dirty="0"/>
               <a:t>李一舒</a:t>
             </a:r>
             <a:r>
-              <a:rPr lang="en-US" altLang="zh-TW" b="1" dirty="0" smtClean="0"/>
+              <a:rPr lang="en-US" altLang="zh-TW" b="1" dirty="0"/>
               <a:t>)</a:t>
             </a:r>
           </a:p>
           <a:p>
-            <a:r>
-              <a:rPr lang="en-US" altLang="zh-CN" b="1" dirty="0" smtClean="0">
-                <a:latin typeface="Times New Roman" panose="02020603050405020304" pitchFamily="18" charset="0"/>
-              </a:rPr>
-              <a:t>Email</a:t>
-            </a:r>
             <a:r>
               <a:rPr lang="en-US" altLang="zh-CN" b="1" dirty="0">
                 <a:latin typeface="Times New Roman" panose="02020603050405020304" pitchFamily="18" charset="0"/>
               </a:rPr>
-              <a:t>: </a:t>
-            </a:r>
-            <a:r>
-              <a:rPr lang="en-US" altLang="zh-TW" dirty="0" smtClean="0">
+              <a:t>Email: </a:t>
+            </a:r>
+            <a:r>
+              <a:rPr lang="en-US" altLang="zh-TW" dirty="0">
                 <a:solidFill>
                   <a:srgbClr val="FF0000"/>
                 </a:solidFill>
@@ -4665,7 +4634,7 @@
               <a:t>liyishu@cuhk.edu.cn</a:t>
             </a:r>
             <a:r>
-              <a:rPr lang="en-US" altLang="zh-TW" dirty="0" smtClean="0">
+              <a:rPr lang="en-US" altLang="zh-TW" dirty="0">
                 <a:solidFill>
                   <a:srgbClr val="FF0000"/>
                 </a:solidFill>
@@ -4700,57 +4669,51 @@
           <a:lstStyle/>
           <a:p>
             <a:r>
-              <a:rPr lang="en-US" altLang="zh-CN" b="1" dirty="0" smtClean="0">
+              <a:rPr lang="en-US" altLang="zh-CN" b="1" dirty="0">
                 <a:latin typeface="Times New Roman" panose="02020603050405020304" pitchFamily="18" charset="0"/>
               </a:rPr>
               <a:t>USTF: Mr. </a:t>
             </a:r>
             <a:r>
-              <a:rPr lang="en-US" altLang="zh-CN" b="1" dirty="0" err="1" smtClean="0">
+              <a:rPr lang="en-US" altLang="zh-CN" b="1" dirty="0" err="1">
                 <a:latin typeface="Times New Roman" panose="02020603050405020304" pitchFamily="18" charset="0"/>
               </a:rPr>
               <a:t>Xie</a:t>
             </a:r>
             <a:r>
-              <a:rPr lang="en-US" altLang="zh-CN" b="1" dirty="0" smtClean="0">
+              <a:rPr lang="en-US" altLang="zh-CN" b="1" dirty="0">
                 <a:latin typeface="Times New Roman" panose="02020603050405020304" pitchFamily="18" charset="0"/>
               </a:rPr>
               <a:t> </a:t>
             </a:r>
             <a:r>
-              <a:rPr lang="en-US" altLang="zh-CN" b="1" dirty="0" err="1" smtClean="0">
+              <a:rPr lang="en-US" altLang="zh-CN" b="1" dirty="0" err="1">
                 <a:latin typeface="Times New Roman" panose="02020603050405020304" pitchFamily="18" charset="0"/>
               </a:rPr>
               <a:t>Guochao</a:t>
             </a:r>
             <a:r>
-              <a:rPr lang="en-US" altLang="zh-TW" b="1" dirty="0" smtClean="0"/>
+              <a:rPr lang="en-US" altLang="zh-TW" b="1" dirty="0"/>
               <a:t> (</a:t>
             </a:r>
             <a:r>
-              <a:rPr lang="zh-TW" altLang="en-US" b="1" dirty="0" smtClean="0"/>
+              <a:rPr lang="zh-TW" altLang="en-US" b="1" dirty="0"/>
               <a:t>谢国超</a:t>
             </a:r>
             <a:r>
-              <a:rPr lang="en-US" altLang="zh-TW" b="1" dirty="0" smtClean="0"/>
+              <a:rPr lang="en-US" altLang="zh-TW" b="1" dirty="0"/>
               <a:t>)</a:t>
             </a:r>
           </a:p>
           <a:p>
-            <a:r>
-              <a:rPr lang="en-US" altLang="zh-CN" b="1" dirty="0" smtClean="0">
-                <a:latin typeface="Times New Roman" panose="02020603050405020304" pitchFamily="18" charset="0"/>
-              </a:rPr>
-              <a:t>Email</a:t>
-            </a:r>
             <a:r>
               <a:rPr lang="en-US" altLang="zh-CN" b="1" dirty="0">
                 <a:latin typeface="Times New Roman" panose="02020603050405020304" pitchFamily="18" charset="0"/>
               </a:rPr>
-              <a:t>: </a:t>
-            </a:r>
-            <a:r>
-              <a:rPr lang="en-US" altLang="zh-TW" dirty="0" smtClean="0">
+              <a:t>Email: </a:t>
+            </a:r>
+            <a:r>
+              <a:rPr lang="en-US" altLang="zh-TW" dirty="0">
                 <a:solidFill>
                   <a:srgbClr val="FF0000"/>
                 </a:solidFill>
@@ -4759,7 +4722,7 @@
               <a:t>guochaoxie@link.cuhk.edu.cn</a:t>
             </a:r>
             <a:r>
-              <a:rPr lang="en-US" altLang="zh-TW" dirty="0" smtClean="0">
+              <a:rPr lang="en-US" altLang="zh-TW" dirty="0">
                 <a:solidFill>
                   <a:srgbClr val="FF0000"/>
                 </a:solidFill>
@@ -4794,13 +4757,6 @@
       </p:transition>
     </mc:Fallback>
   </mc:AlternateContent>
-  <p:timing>
-    <p:tnLst>
-      <p:par>
-        <p:cTn id="1" dur="indefinite" restart="never" nodeType="tmRoot"/>
-      </p:par>
-    </p:tnLst>
-  </p:timing>
 </p:sld>
 </file>
 
@@ -4837,7 +4793,7 @@
           <a:lstStyle/>
           <a:p>
             <a:r>
-              <a:rPr lang="en-US" altLang="zh-TW" dirty="0" smtClean="0"/>
+              <a:rPr lang="en-US" altLang="zh-TW" dirty="0"/>
               <a:t>Important information about final project report</a:t>
             </a:r>
             <a:endParaRPr lang="zh-TW" altLang="en-US" dirty="0"/>
@@ -4867,15 +4823,11 @@
           <a:lstStyle/>
           <a:p>
             <a:r>
-              <a:rPr lang="en-US" altLang="zh-TW" dirty="0" smtClean="0"/>
-              <a:t>Number of pages: </a:t>
-            </a:r>
-            <a:r>
-              <a:rPr lang="en-US" altLang="zh-TW" dirty="0"/>
-              <a:t>no more than </a:t>
-            </a:r>
-            <a:r>
-              <a:rPr lang="en-US" altLang="zh-TW" b="1" dirty="0" smtClean="0">
+              <a:rPr lang="en-US" altLang="zh-TW" dirty="0"/>
+              <a:t>Number of pages: no more than </a:t>
+            </a:r>
+            <a:r>
+              <a:rPr lang="en-US" altLang="zh-TW" b="1" dirty="0">
                 <a:solidFill>
                   <a:srgbClr val="FF0000"/>
                 </a:solidFill>
@@ -4883,121 +4835,76 @@
               <a:t>20 pages in A4 </a:t>
             </a:r>
             <a:r>
-              <a:rPr lang="en-US" altLang="zh-TW" dirty="0" smtClean="0"/>
+              <a:rPr lang="en-US" altLang="zh-TW" dirty="0"/>
               <a:t>(be concise)</a:t>
             </a:r>
-            <a:endParaRPr lang="en-US" altLang="zh-TW" dirty="0"/>
+          </a:p>
+          <a:p>
+            <a:r>
+              <a:rPr lang="en-US" altLang="zh-TW" dirty="0"/>
+              <a:t>The report content should cover following sections: </a:t>
+            </a:r>
+          </a:p>
+          <a:p>
+            <a:pPr lvl="1"/>
+            <a:r>
+              <a:rPr lang="en-US" altLang="zh-TW" dirty="0"/>
+              <a:t>Introduction (background) of the project topic</a:t>
+            </a:r>
+          </a:p>
+          <a:p>
+            <a:pPr lvl="1"/>
+            <a:r>
+              <a:rPr lang="en-US" altLang="zh-TW" dirty="0"/>
+              <a:t>Task assignment of team members</a:t>
+            </a:r>
+          </a:p>
+          <a:p>
+            <a:pPr lvl="1"/>
+            <a:r>
+              <a:rPr lang="en-US" altLang="zh-TW" dirty="0"/>
+              <a:t>Motivation and goals</a:t>
+            </a:r>
+          </a:p>
+          <a:p>
+            <a:pPr lvl="1"/>
+            <a:r>
+              <a:rPr lang="en-US" altLang="zh-TW" dirty="0"/>
+              <a:t>Materials and data source</a:t>
+            </a:r>
+          </a:p>
+          <a:p>
+            <a:pPr lvl="1"/>
+            <a:r>
+              <a:rPr lang="en-US" altLang="zh-TW" dirty="0"/>
+              <a:t>Design of database schema</a:t>
+            </a:r>
+          </a:p>
+          <a:p>
+            <a:pPr lvl="1"/>
+            <a:r>
+              <a:rPr lang="en-US" altLang="zh-TW" dirty="0"/>
+              <a:t>Methods (involved statistics, data mining or machine learning approaches)</a:t>
+            </a:r>
+          </a:p>
+          <a:p>
+            <a:pPr lvl="1"/>
+            <a:r>
+              <a:rPr lang="en-US" altLang="zh-TW" dirty="0"/>
+              <a:t>Results (web interface, developed functions, case study, etc.)</a:t>
+            </a:r>
+          </a:p>
+          <a:p>
+            <a:pPr lvl="1"/>
+            <a:r>
+              <a:rPr lang="en-US" altLang="zh-TW" dirty="0"/>
+              <a:t>Prospects</a:t>
+            </a:r>
           </a:p>
           <a:p>
             <a:r>
               <a:rPr lang="en-US" altLang="zh-TW" dirty="0"/>
               <a:t>The </a:t>
-            </a:r>
-            <a:r>
-              <a:rPr lang="en-US" altLang="zh-TW" dirty="0" smtClean="0"/>
-              <a:t>report content should </a:t>
-            </a:r>
-            <a:r>
-              <a:rPr lang="en-US" altLang="zh-TW" dirty="0"/>
-              <a:t>cover following sections: </a:t>
-            </a:r>
-          </a:p>
-          <a:p>
-            <a:pPr lvl="1"/>
-            <a:r>
-              <a:rPr lang="en-US" altLang="zh-TW" dirty="0" smtClean="0"/>
-              <a:t>Introduction </a:t>
-            </a:r>
-            <a:r>
-              <a:rPr lang="en-US" altLang="zh-TW" dirty="0"/>
-              <a:t>(background) of the project topic</a:t>
-            </a:r>
-          </a:p>
-          <a:p>
-            <a:pPr lvl="1"/>
-            <a:r>
-              <a:rPr lang="en-US" altLang="zh-TW" dirty="0" smtClean="0"/>
-              <a:t>Task </a:t>
-            </a:r>
-            <a:r>
-              <a:rPr lang="en-US" altLang="zh-TW" dirty="0"/>
-              <a:t>assignment of team members</a:t>
-            </a:r>
-          </a:p>
-          <a:p>
-            <a:pPr lvl="1"/>
-            <a:r>
-              <a:rPr lang="en-US" altLang="zh-TW" dirty="0" smtClean="0"/>
-              <a:t>Motivation </a:t>
-            </a:r>
-            <a:r>
-              <a:rPr lang="en-US" altLang="zh-TW" dirty="0"/>
-              <a:t>and goals</a:t>
-            </a:r>
-          </a:p>
-          <a:p>
-            <a:pPr lvl="1"/>
-            <a:r>
-              <a:rPr lang="en-US" altLang="zh-TW" dirty="0" smtClean="0"/>
-              <a:t>Materials </a:t>
-            </a:r>
-            <a:r>
-              <a:rPr lang="en-US" altLang="zh-TW" dirty="0"/>
-              <a:t>and data source</a:t>
-            </a:r>
-          </a:p>
-          <a:p>
-            <a:pPr lvl="1"/>
-            <a:r>
-              <a:rPr lang="en-US" altLang="zh-TW" dirty="0" smtClean="0"/>
-              <a:t>Design </a:t>
-            </a:r>
-            <a:r>
-              <a:rPr lang="en-US" altLang="zh-TW" dirty="0"/>
-              <a:t>of database schema</a:t>
-            </a:r>
-          </a:p>
-          <a:p>
-            <a:pPr lvl="1"/>
-            <a:r>
-              <a:rPr lang="en-US" altLang="zh-TW" dirty="0" smtClean="0"/>
-              <a:t>Methods </a:t>
-            </a:r>
-            <a:r>
-              <a:rPr lang="en-US" altLang="zh-TW" dirty="0"/>
-              <a:t>(involved statistics, data mining or machine learning approaches)</a:t>
-            </a:r>
-          </a:p>
-          <a:p>
-            <a:pPr lvl="1"/>
-            <a:r>
-              <a:rPr lang="en-US" altLang="zh-TW" dirty="0" smtClean="0"/>
-              <a:t>Results </a:t>
-            </a:r>
-            <a:r>
-              <a:rPr lang="en-US" altLang="zh-TW" dirty="0"/>
-              <a:t>(web interface, developed functions, case study, etc.)</a:t>
-            </a:r>
-          </a:p>
-          <a:p>
-            <a:pPr lvl="1"/>
-            <a:r>
-              <a:rPr lang="en-US" altLang="zh-TW" dirty="0" smtClean="0"/>
-              <a:t>Prospects</a:t>
-            </a:r>
-          </a:p>
-          <a:p>
-            <a:r>
-              <a:rPr lang="en-US" altLang="zh-TW" dirty="0"/>
-              <a:t>The </a:t>
-            </a:r>
-            <a:r>
-              <a:rPr lang="en-US" altLang="zh-TW" b="1" dirty="0" smtClean="0">
-                <a:solidFill>
-                  <a:srgbClr val="FF0000"/>
-                </a:solidFill>
-              </a:rPr>
-              <a:t>final project report (Word or PDF files) should </a:t>
             </a:r>
             <a:r>
               <a:rPr lang="en-US" altLang="zh-TW" b="1" dirty="0">
@@ -5005,41 +4912,24 @@
                   <a:srgbClr val="FF0000"/>
                 </a:solidFill>
               </a:rPr>
-              <a:t>be uploaded </a:t>
-            </a:r>
-            <a:r>
-              <a:rPr lang="en-US" altLang="zh-TW" dirty="0" smtClean="0"/>
-              <a:t>onto </a:t>
-            </a:r>
-            <a:r>
-              <a:rPr lang="en-US" altLang="zh-TW" dirty="0"/>
-              <a:t>the blackboard system </a:t>
-            </a:r>
-            <a:r>
-              <a:rPr lang="en-US" altLang="zh-TW" dirty="0" smtClean="0"/>
-              <a:t>before </a:t>
-            </a:r>
-            <a:r>
-              <a:rPr lang="en-US" altLang="zh-TW" b="1" dirty="0" smtClean="0">
+              <a:t>final project report (Word or PDF files) should be uploaded </a:t>
+            </a:r>
+            <a:r>
+              <a:rPr lang="en-US" altLang="zh-TW" dirty="0"/>
+              <a:t>onto the blackboard system before </a:t>
+            </a:r>
+            <a:r>
+              <a:rPr lang="en-US" altLang="zh-TW" b="1" dirty="0">
                 <a:solidFill>
                   <a:srgbClr val="FF0000"/>
                 </a:solidFill>
               </a:rPr>
-              <a:t>23:59:59 Dec. </a:t>
-            </a:r>
-            <a:r>
-              <a:rPr lang="en-US" altLang="zh-TW" b="1" smtClean="0">
-                <a:solidFill>
-                  <a:srgbClr val="FF0000"/>
-                </a:solidFill>
-              </a:rPr>
-              <a:t>22th</a:t>
-            </a:r>
-            <a:r>
-              <a:rPr lang="en-US" altLang="zh-TW" dirty="0" smtClean="0"/>
+              <a:t>23:59:59 Dec. 22th</a:t>
+            </a:r>
+            <a:r>
+              <a:rPr lang="en-US" altLang="zh-TW" dirty="0"/>
               <a:t>.</a:t>
             </a:r>
-            <a:endParaRPr lang="en-US" altLang="zh-TW" dirty="0"/>
           </a:p>
           <a:p>
             <a:endParaRPr lang="zh-TW" altLang="en-US" dirty="0"/>
@@ -5116,11 +5006,7 @@
           <a:p>
             <a:r>
               <a:rPr lang="en-US" altLang="zh-TW" dirty="0"/>
-              <a:t>Important tips </a:t>
-            </a:r>
-            <a:r>
-              <a:rPr lang="en-US" altLang="zh-TW" dirty="0" smtClean="0"/>
-              <a:t>for report writing</a:t>
+              <a:t>Important tips for report writing</a:t>
             </a:r>
             <a:endParaRPr lang="zh-TW" altLang="en-US" dirty="0"/>
           </a:p>
@@ -5167,11 +5053,7 @@
           <a:p>
             <a:r>
               <a:rPr lang="en-US" altLang="zh-TW" dirty="0"/>
-              <a:t>Deep analysis on a particular </a:t>
-            </a:r>
-            <a:r>
-              <a:rPr lang="en-US" altLang="zh-TW" dirty="0" smtClean="0"/>
-              <a:t>subject</a:t>
+              <a:t>Deep analysis on a particular subject</a:t>
             </a:r>
           </a:p>
           <a:p>
@@ -5204,7 +5086,7 @@
           <a:lstStyle/>
           <a:p>
             <a:r>
-              <a:rPr kumimoji="1" lang="en-US" altLang="zh-CN" smtClean="0"/>
+              <a:rPr kumimoji="1" lang="en-US" altLang="zh-CN"/>
               <a:t>2019 Fall / Dr. Lee Tzong-Yi / LHS / CUHK(SZ)</a:t>
             </a:r>
             <a:endParaRPr kumimoji="1" lang="zh-CN" altLang="en-US"/>
@@ -5280,7 +5162,7 @@
           <a:lstStyle/>
           <a:p>
             <a:r>
-              <a:rPr lang="en-US" altLang="zh-TW" dirty="0" smtClean="0"/>
+              <a:rPr lang="en-US" altLang="zh-TW" dirty="0"/>
               <a:t>Important information about oral presentation</a:t>
             </a:r>
             <a:endParaRPr lang="zh-TW" altLang="en-US" dirty="0"/>
@@ -5351,84 +5233,56 @@
           <a:p>
             <a:pPr lvl="1"/>
             <a:r>
-              <a:rPr lang="en-US" altLang="zh-TW" dirty="0" smtClean="0"/>
-              <a:t>Introduction </a:t>
-            </a:r>
-            <a:r>
-              <a:rPr lang="en-US" altLang="zh-TW" dirty="0"/>
-              <a:t>(background) of the project topic</a:t>
+              <a:rPr lang="en-US" altLang="zh-TW" dirty="0"/>
+              <a:t>Introduction (background) of the project topic</a:t>
             </a:r>
           </a:p>
           <a:p>
             <a:pPr lvl="1"/>
             <a:r>
-              <a:rPr lang="en-US" altLang="zh-TW" dirty="0" smtClean="0"/>
-              <a:t>Task </a:t>
-            </a:r>
-            <a:r>
-              <a:rPr lang="en-US" altLang="zh-TW" dirty="0"/>
-              <a:t>assignment of team members</a:t>
+              <a:rPr lang="en-US" altLang="zh-TW" dirty="0"/>
+              <a:t>Task assignment of team members</a:t>
             </a:r>
           </a:p>
           <a:p>
             <a:pPr lvl="1"/>
             <a:r>
-              <a:rPr lang="en-US" altLang="zh-TW" dirty="0" smtClean="0"/>
-              <a:t>Motivation </a:t>
-            </a:r>
-            <a:r>
-              <a:rPr lang="en-US" altLang="zh-TW" dirty="0"/>
-              <a:t>and goals</a:t>
+              <a:rPr lang="en-US" altLang="zh-TW" dirty="0"/>
+              <a:t>Motivation and goals</a:t>
             </a:r>
           </a:p>
           <a:p>
             <a:pPr lvl="1"/>
             <a:r>
-              <a:rPr lang="en-US" altLang="zh-TW" dirty="0" smtClean="0"/>
-              <a:t>Materials </a:t>
-            </a:r>
-            <a:r>
-              <a:rPr lang="en-US" altLang="zh-TW" dirty="0"/>
-              <a:t>and data source</a:t>
+              <a:rPr lang="en-US" altLang="zh-TW" dirty="0"/>
+              <a:t>Materials and data source</a:t>
             </a:r>
           </a:p>
           <a:p>
             <a:pPr lvl="1"/>
             <a:r>
-              <a:rPr lang="en-US" altLang="zh-TW" dirty="0" smtClean="0"/>
-              <a:t>Design </a:t>
-            </a:r>
-            <a:r>
-              <a:rPr lang="en-US" altLang="zh-TW" dirty="0"/>
-              <a:t>of database schema</a:t>
+              <a:rPr lang="en-US" altLang="zh-TW" dirty="0"/>
+              <a:t>Design of database schema</a:t>
             </a:r>
           </a:p>
           <a:p>
             <a:pPr lvl="1"/>
             <a:r>
-              <a:rPr lang="en-US" altLang="zh-TW" dirty="0" smtClean="0"/>
-              <a:t>Methods </a:t>
-            </a:r>
-            <a:r>
-              <a:rPr lang="en-US" altLang="zh-TW" dirty="0"/>
-              <a:t>(involved statistics, data mining or machine learning approaches)</a:t>
+              <a:rPr lang="en-US" altLang="zh-TW" dirty="0"/>
+              <a:t>Methods (involved statistics, data mining or machine learning approaches)</a:t>
             </a:r>
           </a:p>
           <a:p>
             <a:pPr lvl="1"/>
             <a:r>
-              <a:rPr lang="en-US" altLang="zh-TW" dirty="0" smtClean="0"/>
-              <a:t>Results </a:t>
-            </a:r>
-            <a:r>
-              <a:rPr lang="en-US" altLang="zh-TW" dirty="0"/>
-              <a:t>(web interface, developed functions, case study, etc.)</a:t>
+              <a:rPr lang="en-US" altLang="zh-TW" dirty="0"/>
+              <a:t>Results (web interface, developed functions, case study, etc.)</a:t>
             </a:r>
           </a:p>
           <a:p>
             <a:pPr lvl="1"/>
             <a:r>
-              <a:rPr lang="en-US" altLang="zh-TW" dirty="0" smtClean="0"/>
+              <a:rPr lang="en-US" altLang="zh-TW" dirty="0"/>
               <a:t>Prospects</a:t>
             </a:r>
           </a:p>
@@ -5443,15 +5297,11 @@
                   <a:srgbClr val="FF0000"/>
                 </a:solidFill>
               </a:rPr>
-              <a:t>PPT </a:t>
-            </a:r>
-            <a:r>
-              <a:rPr lang="en-US" altLang="zh-TW" b="1" dirty="0" smtClean="0">
-                <a:solidFill>
-                  <a:srgbClr val="FF0000"/>
-                </a:solidFill>
-              </a:rPr>
-              <a:t>slides should </a:t>
+              <a:t>PPT slides should be uploaded </a:t>
+            </a:r>
+            <a:r>
+              <a:rPr lang="en-US" altLang="zh-TW" dirty="0"/>
+              <a:t>onto the blackboard system before </a:t>
             </a:r>
             <a:r>
               <a:rPr lang="en-US" altLang="zh-TW" b="1" dirty="0">
@@ -5459,33 +5309,12 @@
                   <a:srgbClr val="FF0000"/>
                 </a:solidFill>
               </a:rPr>
-              <a:t>be uploaded </a:t>
-            </a:r>
-            <a:r>
-              <a:rPr lang="en-US" altLang="zh-TW" dirty="0" smtClean="0"/>
-              <a:t>onto </a:t>
-            </a:r>
-            <a:r>
-              <a:rPr lang="en-US" altLang="zh-TW" dirty="0"/>
-              <a:t>the blackboard system </a:t>
-            </a:r>
-            <a:r>
-              <a:rPr lang="en-US" altLang="zh-TW" dirty="0" smtClean="0"/>
-              <a:t>before </a:t>
-            </a:r>
-            <a:r>
-              <a:rPr lang="en-US" altLang="zh-TW" b="1" dirty="0" smtClean="0">
-                <a:solidFill>
-                  <a:srgbClr val="FF0000"/>
-                </a:solidFill>
-              </a:rPr>
               <a:t>23:59:59 Dec. 13th</a:t>
             </a:r>
             <a:r>
-              <a:rPr lang="en-US" altLang="zh-TW" dirty="0" smtClean="0"/>
+              <a:rPr lang="en-US" altLang="zh-TW" dirty="0"/>
               <a:t>.</a:t>
             </a:r>
-            <a:endParaRPr lang="en-US" altLang="zh-TW" dirty="0"/>
           </a:p>
           <a:p>
             <a:endParaRPr lang="zh-TW" altLang="en-US" dirty="0"/>
@@ -5561,7 +5390,7 @@
           <a:lstStyle/>
           <a:p>
             <a:r>
-              <a:rPr lang="en-US" altLang="zh-TW" dirty="0" smtClean="0"/>
+              <a:rPr lang="en-US" altLang="zh-TW" dirty="0"/>
               <a:t>Oral Presentation</a:t>
             </a:r>
             <a:endParaRPr lang="zh-TW" altLang="en-US" dirty="0"/>
@@ -5591,12 +5420,8 @@
           <a:lstStyle/>
           <a:p>
             <a:r>
-              <a:rPr lang="en-US" altLang="zh-TW" dirty="0" smtClean="0"/>
-              <a:t>Date </a:t>
-            </a:r>
-            <a:r>
-              <a:rPr lang="en-US" altLang="zh-TW" dirty="0"/>
-              <a:t>of presentation:</a:t>
+              <a:rPr lang="en-US" altLang="zh-TW" dirty="0"/>
+              <a:t>Date of presentation:</a:t>
             </a:r>
           </a:p>
           <a:p>
@@ -5607,15 +5432,7 @@
                   <a:srgbClr val="FF0000"/>
                 </a:solidFill>
               </a:rPr>
-              <a:t>Week </a:t>
-            </a:r>
-            <a:r>
-              <a:rPr lang="en-US" altLang="zh-TW" b="1" dirty="0" smtClean="0">
-                <a:solidFill>
-                  <a:srgbClr val="FF0000"/>
-                </a:solidFill>
-              </a:rPr>
-              <a:t>15 </a:t>
+              <a:t>Week 15 </a:t>
             </a:r>
             <a:r>
               <a:rPr lang="en-US" altLang="zh-TW" dirty="0"/>
@@ -5627,46 +5444,20 @@
                   <a:srgbClr val="FF0000"/>
                 </a:solidFill>
               </a:rPr>
-              <a:t>lecture </a:t>
-            </a:r>
-            <a:r>
-              <a:rPr lang="en-US" altLang="zh-TW" b="1" dirty="0" smtClean="0">
-                <a:solidFill>
-                  <a:srgbClr val="FF0000"/>
-                </a:solidFill>
-              </a:rPr>
-              <a:t>and tutorial time</a:t>
-            </a:r>
-            <a:endParaRPr lang="en-US" altLang="zh-TW" b="1" dirty="0">
-              <a:solidFill>
-                <a:srgbClr val="FF0000"/>
-              </a:solidFill>
-            </a:endParaRPr>
-          </a:p>
-          <a:p>
-            <a:r>
-              <a:rPr lang="en-US" altLang="zh-TW" dirty="0" smtClean="0"/>
+              <a:t>lecture and tutorial time</a:t>
+            </a:r>
+          </a:p>
+          <a:p>
+            <a:r>
+              <a:rPr lang="en-US" altLang="zh-TW" dirty="0"/>
               <a:t>Requirements:</a:t>
             </a:r>
-            <a:endParaRPr lang="en-US" altLang="zh-TW" dirty="0"/>
           </a:p>
           <a:p>
             <a:pPr lvl="1"/>
             <a:r>
               <a:rPr lang="en-US" altLang="zh-TW" dirty="0"/>
-              <a:t>Each </a:t>
-            </a:r>
-            <a:r>
-              <a:rPr lang="en-US" altLang="zh-TW" dirty="0" smtClean="0"/>
-              <a:t>group </a:t>
-            </a:r>
-            <a:r>
-              <a:rPr lang="en-US" altLang="zh-TW" dirty="0"/>
-              <a:t>gives presentation no more than </a:t>
-            </a:r>
-            <a:r>
-              <a:rPr lang="en-US" altLang="zh-TW" dirty="0" smtClean="0"/>
-              <a:t>15 </a:t>
+              <a:t>Each group gives presentation no more than 15 </a:t>
             </a:r>
             <a:r>
               <a:rPr lang="en-US" altLang="zh-TW" dirty="0" err="1"/>
@@ -5684,12 +5475,8 @@
           <a:p>
             <a:pPr lvl="1"/>
             <a:r>
-              <a:rPr lang="en-US" altLang="zh-TW" dirty="0" smtClean="0"/>
-              <a:t>Students are </a:t>
-            </a:r>
-            <a:r>
-              <a:rPr lang="en-US" altLang="zh-TW" dirty="0"/>
-              <a:t>expected to ask questions or give comments, and priority will be given to students who have not asked any questions before</a:t>
+              <a:rPr lang="en-US" altLang="zh-TW" dirty="0"/>
+              <a:t>Students are expected to ask questions or give comments, and priority will be given to students who have not asked any questions before</a:t>
             </a:r>
           </a:p>
           <a:p>
@@ -5704,13 +5491,8 @@
           <a:p>
             <a:r>
               <a:rPr lang="en-US" altLang="zh-TW" dirty="0"/>
-              <a:t>It is expected all of you attend all </a:t>
-            </a:r>
-            <a:r>
-              <a:rPr lang="en-US" altLang="zh-TW" dirty="0" smtClean="0"/>
-              <a:t>presentations</a:t>
-            </a:r>
-            <a:endParaRPr lang="en-US" altLang="zh-TW" dirty="0"/>
+              <a:t>It is expected all of you attend all presentations</a:t>
+            </a:r>
           </a:p>
         </p:txBody>
       </p:sp>
@@ -5854,13 +5636,8 @@
           <a:p>
             <a:r>
               <a:rPr lang="en-US" altLang="zh-TW" dirty="0"/>
-              <a:t>Know your </a:t>
-            </a:r>
-            <a:r>
-              <a:rPr lang="en-US" altLang="zh-TW" dirty="0" smtClean="0"/>
-              <a:t>audience</a:t>
-            </a:r>
-            <a:endParaRPr lang="en-US" altLang="zh-TW" dirty="0"/>
+              <a:t>Know your audience</a:t>
+            </a:r>
           </a:p>
         </p:txBody>
       </p:sp>
@@ -5880,7 +5657,7 @@
           <a:lstStyle/>
           <a:p>
             <a:r>
-              <a:rPr kumimoji="1" lang="en-US" altLang="zh-CN" smtClean="0"/>
+              <a:rPr kumimoji="1" lang="en-US" altLang="zh-CN"/>
               <a:t>2019 Fall / Dr. Lee Tzong-Yi / LHS / CUHK(SZ)</a:t>
             </a:r>
             <a:endParaRPr kumimoji="1" lang="zh-CN" altLang="en-US"/>
@@ -6058,7 +5835,7 @@
           <a:lstStyle/>
           <a:p>
             <a:r>
-              <a:rPr kumimoji="1" lang="en-US" altLang="zh-CN" smtClean="0"/>
+              <a:rPr kumimoji="1" lang="en-US" altLang="zh-CN"/>
               <a:t>2019 Fall / Dr. Lee Tzong-Yi / LHS / CUHK(SZ)</a:t>
             </a:r>
             <a:endParaRPr kumimoji="1" lang="zh-CN" altLang="en-US"/>
@@ -6160,12 +5937,8 @@
               <a:buNone/>
             </a:pPr>
             <a:r>
-              <a:rPr lang="en-US" altLang="zh-TW" dirty="0" smtClean="0"/>
-              <a:t>7. Discuss </a:t>
-            </a:r>
-            <a:r>
-              <a:rPr lang="en-US" altLang="zh-TW" dirty="0"/>
-              <a:t>key insights and possible future directions   </a:t>
+              <a:rPr lang="en-US" altLang="zh-TW" dirty="0"/>
+              <a:t>7. Discuss key insights and possible future directions   </a:t>
             </a:r>
           </a:p>
           <a:p>
@@ -6174,11 +5947,7 @@
             </a:pPr>
             <a:r>
               <a:rPr lang="en-US" altLang="zh-TW" dirty="0"/>
-              <a:t>     of the project </a:t>
-            </a:r>
-            <a:r>
-              <a:rPr lang="en-US" altLang="zh-TW" dirty="0" smtClean="0"/>
-              <a:t>topic</a:t>
+              <a:t>     of the project topic</a:t>
             </a:r>
           </a:p>
           <a:p>
@@ -6197,12 +5966,8 @@
               <a:buAutoNum type="arabicPeriod" startAt="8"/>
             </a:pPr>
             <a:r>
-              <a:rPr lang="en-US" altLang="zh-TW" dirty="0" smtClean="0"/>
-              <a:t>Keep </a:t>
-            </a:r>
-            <a:r>
-              <a:rPr lang="en-US" altLang="zh-TW" dirty="0"/>
-              <a:t>asking yourselves “what is it”, “why is it important”, “why do I want to talk about it”</a:t>
+              <a:rPr lang="en-US" altLang="zh-TW" dirty="0"/>
+              <a:t>Keep asking yourselves “what is it”, “why is it important”, “why do I want to talk about it”</a:t>
             </a:r>
           </a:p>
           <a:p>
@@ -6236,7 +6001,7 @@
           <a:lstStyle/>
           <a:p>
             <a:r>
-              <a:rPr kumimoji="1" lang="en-US" altLang="zh-CN" smtClean="0"/>
+              <a:rPr kumimoji="1" lang="en-US" altLang="zh-CN"/>
               <a:t>2019 Fall / Dr. Lee Tzong-Yi / LHS / CUHK(SZ)</a:t>
             </a:r>
             <a:endParaRPr kumimoji="1" lang="zh-CN" altLang="en-US"/>
@@ -6379,13 +6144,8 @@
             <a:pPr lvl="1"/>
             <a:r>
               <a:rPr lang="en-US" altLang="zh-TW" dirty="0"/>
-              <a:t>Link them with </a:t>
-            </a:r>
-            <a:r>
-              <a:rPr lang="en-US" altLang="zh-TW" dirty="0" smtClean="0"/>
-              <a:t>logic</a:t>
-            </a:r>
-            <a:endParaRPr lang="en-US" altLang="zh-TW" dirty="0"/>
+              <a:t>Link them with logic</a:t>
+            </a:r>
           </a:p>
         </p:txBody>
       </p:sp>
@@ -6405,7 +6165,7 @@
           <a:lstStyle/>
           <a:p>
             <a:r>
-              <a:rPr kumimoji="1" lang="en-US" altLang="zh-CN" smtClean="0"/>
+              <a:rPr kumimoji="1" lang="en-US" altLang="zh-CN"/>
               <a:t>2019 Fall / Dr. Lee Tzong-Yi / LHS / CUHK(SZ)</a:t>
             </a:r>
             <a:endParaRPr kumimoji="1" lang="zh-CN" altLang="en-US"/>
@@ -6579,7 +6339,7 @@
           <a:lstStyle/>
           <a:p>
             <a:r>
-              <a:rPr kumimoji="1" lang="en-US" altLang="zh-CN" smtClean="0"/>
+              <a:rPr kumimoji="1" lang="en-US" altLang="zh-CN"/>
               <a:t>2019 Fall / Dr. Lee Tzong-Yi / LHS / CUHK(SZ)</a:t>
             </a:r>
             <a:endParaRPr kumimoji="1" lang="zh-CN" altLang="en-US"/>
@@ -6747,7 +6507,7 @@
           <a:lstStyle/>
           <a:p>
             <a:r>
-              <a:rPr kumimoji="1" lang="en-US" altLang="zh-CN" smtClean="0"/>
+              <a:rPr kumimoji="1" lang="en-US" altLang="zh-CN"/>
               <a:t>2019 Fall / Dr. Lee Tzong-Yi / LHS / CUHK(SZ)</a:t>
             </a:r>
             <a:endParaRPr kumimoji="1" lang="zh-CN" altLang="en-US"/>
